--- a/ops-risk-pres.pptx
+++ b/ops-risk-pres.pptx
@@ -10764,16 +10764,33 @@
         <a:bodyPr/>
         <a:lstStyle/>
         <a:p>
+          <a:pPr algn="ctr">
+            <a:lnSpc>
+              <a:spcPct val="90000"/>
+            </a:lnSpc>
+          </a:pPr>
           <a:r>
-            <a:rPr lang="en-US"/>
+            <a:rPr lang="en-US" sz="2500" dirty="0">
+              <a:latin typeface="Aptos"/>
+              <a:ea typeface="+mn-ea"/>
+              <a:cs typeface="+mn-cs"/>
+            </a:rPr>
             <a:t>Questions?</a:t>
           </a:r>
           <a:br>
-            <a:rPr lang="en-US"/>
+            <a:rPr lang="en-US" sz="2500" dirty="0">
+              <a:latin typeface="Aptos"/>
+              <a:ea typeface="+mn-ea"/>
+              <a:cs typeface="+mn-cs"/>
+            </a:rPr>
           </a:br>
           <a:r>
-            <a:rPr lang="en-US"/>
-            <a:t> Content: Thank you for your attention!</a:t>
+            <a:rPr lang="en-US" sz="2500" dirty="0">
+              <a:latin typeface="Aptos"/>
+              <a:ea typeface="+mn-ea"/>
+              <a:cs typeface="+mn-cs"/>
+            </a:rPr>
+            <a:t> Thank you for your attention!</a:t>
           </a:r>
         </a:p>
       </dgm:t>
@@ -10807,8 +10824,17 @@
         <a:bodyPr/>
         <a:lstStyle/>
         <a:p>
+          <a:pPr algn="ctr">
+            <a:lnSpc>
+              <a:spcPct val="90000"/>
+            </a:lnSpc>
+          </a:pPr>
           <a:r>
-            <a:rPr lang="en-US"/>
+            <a:rPr lang="en-US" sz="2500">
+              <a:latin typeface="Aptos" panose="020B0004020202020204"/>
+              <a:ea typeface="+mn-ea"/>
+              <a:cs typeface="+mn-cs"/>
+            </a:rPr>
             <a:t>Karthikvx@gmail.com</a:t>
           </a:r>
         </a:p>
@@ -16922,7 +16948,7 @@
         </a:bodyPr>
         <a:lstStyle/>
         <a:p>
-          <a:pPr marL="0" lvl="0" indent="0" algn="ctr" defTabSz="889000">
+          <a:pPr marL="0" lvl="0" indent="0" algn="ctr" defTabSz="1111250">
             <a:lnSpc>
               <a:spcPct val="90000"/>
             </a:lnSpc>
@@ -16935,15 +16961,27 @@
             <a:buNone/>
           </a:pPr>
           <a:r>
-            <a:rPr lang="en-US" sz="2000" kern="1200"/>
+            <a:rPr lang="en-US" sz="2500" kern="1200" dirty="0">
+              <a:latin typeface="Aptos"/>
+              <a:ea typeface="+mn-ea"/>
+              <a:cs typeface="+mn-cs"/>
+            </a:rPr>
             <a:t>Questions?</a:t>
           </a:r>
           <a:br>
-            <a:rPr lang="en-US" sz="2000" kern="1200"/>
+            <a:rPr lang="en-US" sz="2500" kern="1200" dirty="0">
+              <a:latin typeface="Aptos"/>
+              <a:ea typeface="+mn-ea"/>
+              <a:cs typeface="+mn-cs"/>
+            </a:rPr>
           </a:br>
           <a:r>
-            <a:rPr lang="en-US" sz="2000" kern="1200"/>
-            <a:t> Content: Thank you for your attention!</a:t>
+            <a:rPr lang="en-US" sz="2500" kern="1200" dirty="0">
+              <a:latin typeface="Aptos"/>
+              <a:ea typeface="+mn-ea"/>
+              <a:cs typeface="+mn-cs"/>
+            </a:rPr>
+            <a:t> Thank you for your attention!</a:t>
           </a:r>
         </a:p>
       </dsp:txBody>
@@ -17039,7 +17077,7 @@
         </a:bodyPr>
         <a:lstStyle/>
         <a:p>
-          <a:pPr marL="0" lvl="0" indent="0" algn="ctr" defTabSz="889000">
+          <a:pPr marL="0" lvl="0" indent="0" algn="ctr" defTabSz="1111250">
             <a:lnSpc>
               <a:spcPct val="90000"/>
             </a:lnSpc>
@@ -17052,7 +17090,11 @@
             <a:buNone/>
           </a:pPr>
           <a:r>
-            <a:rPr lang="en-US" sz="2000" kern="1200"/>
+            <a:rPr lang="en-US" sz="2500" kern="1200">
+              <a:latin typeface="Aptos" panose="020B0004020202020204"/>
+              <a:ea typeface="+mn-ea"/>
+              <a:cs typeface="+mn-cs"/>
+            </a:rPr>
             <a:t>Karthikvx@gmail.com</a:t>
           </a:r>
         </a:p>
